--- a/excluded.pptx
+++ b/excluded.pptx
@@ -21,7 +21,7 @@
       <p:boldItalic r:id="rId7"/>
     </p:embeddedFont>
     <p:embeddedFont>
-      <p:font typeface="Raleway" panose="020B0604020202020204" charset="0"/>
+      <p:font typeface="Raleway" panose="020B0503030101060003" pitchFamily="34" charset="77"/>
       <p:regular r:id="rId8"/>
       <p:bold r:id="rId9"/>
       <p:italic r:id="rId10"/>
@@ -7068,7 +7068,7 @@
                 <a:cs typeface="Open Sans"/>
                 <a:sym typeface="Open Sans"/>
               </a:rPr>
-              <a:t>LGBTQIA+</a:t>
+              <a:t>LGBTQ2S+</a:t>
             </a:r>
             <a:endParaRPr b="1" dirty="0">
               <a:solidFill>
